--- a/Day 10 - CSS – Continued.pptx
+++ b/Day 10 - CSS – Continued.pptx
@@ -8,6 +8,9 @@
     <p:sldId id="258" r:id="rId2"/>
     <p:sldId id="264" r:id="rId3"/>
     <p:sldId id="265" r:id="rId4"/>
+    <p:sldId id="267" r:id="rId5"/>
+    <p:sldId id="266" r:id="rId6"/>
+    <p:sldId id="268" r:id="rId7"/>
   </p:sldIdLst>
   <p:sldSz cx="12192000" cy="6858000"/>
   <p:notesSz cx="6858000" cy="9144000"/>
@@ -114,6 +117,10 @@
 </p:presentation>
 </file>
 
+<file path=ppt/revisionInfo.xml><?xml version="1.0" encoding="utf-8"?>
+<p1510:revInfo xmlns:a="http://schemas.openxmlformats.org/drawingml/2006/main" xmlns:r="http://schemas.openxmlformats.org/officeDocument/2006/relationships" xmlns:p1510="http://schemas.microsoft.com/office/powerpoint/2015/10/main"/>
+</file>
+
 <file path=ppt/slideLayouts/slideLayout1.xml><?xml version="1.0" encoding="utf-8"?>
 <p:sldLayout xmlns:a="http://schemas.openxmlformats.org/drawingml/2006/main" xmlns:r="http://schemas.openxmlformats.org/officeDocument/2006/relationships" xmlns:p="http://schemas.openxmlformats.org/presentationml/2006/main" type="title" preserve="1">
   <p:cSld name="Title Slide">
@@ -297,7 +304,7 @@
           <a:p>
             <a:fld id="{4AAD347D-5ACD-4C99-B74B-A9C85AD731AF}" type="datetimeFigureOut">
               <a:rPr lang="en-US" dirty="0"/>
-              <a:t>7/6/2018</a:t>
+              <a:t>7/9/2018</a:t>
             </a:fld>
             <a:endParaRPr lang="en-US" dirty="0"/>
           </a:p>
@@ -567,7 +574,7 @@
           <a:p>
             <a:fld id="{4509A250-FF31-4206-8172-F9D3106AACB1}" type="datetimeFigureOut">
               <a:rPr lang="en-US" dirty="0"/>
-              <a:t>7/6/2018</a:t>
+              <a:t>7/9/2018</a:t>
             </a:fld>
             <a:endParaRPr lang="en-US" dirty="0"/>
           </a:p>
@@ -756,7 +763,7 @@
           <a:p>
             <a:fld id="{4509A250-FF31-4206-8172-F9D3106AACB1}" type="datetimeFigureOut">
               <a:rPr lang="en-US" dirty="0"/>
-              <a:t>7/6/2018</a:t>
+              <a:t>7/9/2018</a:t>
             </a:fld>
             <a:endParaRPr lang="en-US" dirty="0"/>
           </a:p>
@@ -1019,7 +1026,7 @@
           <a:p>
             <a:fld id="{4509A250-FF31-4206-8172-F9D3106AACB1}" type="datetimeFigureOut">
               <a:rPr lang="en-US" dirty="0"/>
-              <a:t>7/6/2018</a:t>
+              <a:t>7/9/2018</a:t>
             </a:fld>
             <a:endParaRPr lang="en-US" dirty="0"/>
           </a:p>
@@ -1346,7 +1353,7 @@
           <a:p>
             <a:fld id="{4509A250-FF31-4206-8172-F9D3106AACB1}" type="datetimeFigureOut">
               <a:rPr lang="en-US" dirty="0"/>
-              <a:t>7/6/2018</a:t>
+              <a:t>7/9/2018</a:t>
             </a:fld>
             <a:endParaRPr lang="en-US" dirty="0"/>
           </a:p>
@@ -1951,7 +1958,7 @@
           <a:p>
             <a:fld id="{4509A250-FF31-4206-8172-F9D3106AACB1}" type="datetimeFigureOut">
               <a:rPr lang="en-US" dirty="0"/>
-              <a:t>7/6/2018</a:t>
+              <a:t>7/9/2018</a:t>
             </a:fld>
             <a:endParaRPr lang="en-US" dirty="0"/>
           </a:p>
@@ -2793,7 +2800,7 @@
           <a:p>
             <a:fld id="{4509A250-FF31-4206-8172-F9D3106AACB1}" type="datetimeFigureOut">
               <a:rPr lang="en-US" dirty="0"/>
-              <a:t>7/6/2018</a:t>
+              <a:t>7/9/2018</a:t>
             </a:fld>
             <a:endParaRPr lang="en-US" dirty="0"/>
           </a:p>
@@ -2958,7 +2965,7 @@
           <a:p>
             <a:fld id="{4509A250-FF31-4206-8172-F9D3106AACB1}" type="datetimeFigureOut">
               <a:rPr lang="en-US" dirty="0"/>
-              <a:t>7/6/2018</a:t>
+              <a:t>7/9/2018</a:t>
             </a:fld>
             <a:endParaRPr lang="en-US" dirty="0"/>
           </a:p>
@@ -3133,7 +3140,7 @@
           <a:p>
             <a:fld id="{4509A250-FF31-4206-8172-F9D3106AACB1}" type="datetimeFigureOut">
               <a:rPr lang="en-US" dirty="0"/>
-              <a:t>7/6/2018</a:t>
+              <a:t>7/9/2018</a:t>
             </a:fld>
             <a:endParaRPr lang="en-US" dirty="0"/>
           </a:p>
@@ -3298,7 +3305,7 @@
           <a:p>
             <a:fld id="{4509A250-FF31-4206-8172-F9D3106AACB1}" type="datetimeFigureOut">
               <a:rPr lang="en-US" dirty="0"/>
-              <a:t>7/6/2018</a:t>
+              <a:t>7/9/2018</a:t>
             </a:fld>
             <a:endParaRPr lang="en-US" dirty="0"/>
           </a:p>
@@ -3537,7 +3544,7 @@
           <a:p>
             <a:fld id="{9796027F-7875-4030-9381-8BD8C4F21935}" type="datetimeFigureOut">
               <a:rPr lang="en-US" dirty="0"/>
-              <a:t>7/6/2018</a:t>
+              <a:t>7/9/2018</a:t>
             </a:fld>
             <a:endParaRPr lang="en-US" dirty="0"/>
           </a:p>
@@ -3824,7 +3831,7 @@
           <a:p>
             <a:fld id="{9796027F-7875-4030-9381-8BD8C4F21935}" type="datetimeFigureOut">
               <a:rPr lang="en-US" dirty="0"/>
-              <a:t>7/6/2018</a:t>
+              <a:t>7/9/2018</a:t>
             </a:fld>
             <a:endParaRPr lang="en-US" dirty="0"/>
           </a:p>
@@ -4257,7 +4264,7 @@
           <a:p>
             <a:fld id="{9796027F-7875-4030-9381-8BD8C4F21935}" type="datetimeFigureOut">
               <a:rPr lang="en-US" dirty="0"/>
-              <a:t>7/6/2018</a:t>
+              <a:t>7/9/2018</a:t>
             </a:fld>
             <a:endParaRPr lang="en-US" dirty="0"/>
           </a:p>
@@ -4370,7 +4377,7 @@
           <a:p>
             <a:fld id="{4509A250-FF31-4206-8172-F9D3106AACB1}" type="datetimeFigureOut">
               <a:rPr lang="en-US" dirty="0"/>
-              <a:t>7/6/2018</a:t>
+              <a:t>7/9/2018</a:t>
             </a:fld>
             <a:endParaRPr lang="en-US" dirty="0"/>
           </a:p>
@@ -4460,7 +4467,7 @@
           <a:p>
             <a:fld id="{4509A250-FF31-4206-8172-F9D3106AACB1}" type="datetimeFigureOut">
               <a:rPr lang="en-US" dirty="0"/>
-              <a:t>7/6/2018</a:t>
+              <a:t>7/9/2018</a:t>
             </a:fld>
             <a:endParaRPr lang="en-US" dirty="0"/>
           </a:p>
@@ -4734,7 +4741,7 @@
           <a:p>
             <a:fld id="{4509A250-FF31-4206-8172-F9D3106AACB1}" type="datetimeFigureOut">
               <a:rPr lang="en-US" dirty="0"/>
-              <a:t>7/6/2018</a:t>
+              <a:t>7/9/2018</a:t>
             </a:fld>
             <a:endParaRPr lang="en-US" dirty="0"/>
           </a:p>
@@ -5004,7 +5011,7 @@
           <a:p>
             <a:fld id="{4509A250-FF31-4206-8172-F9D3106AACB1}" type="datetimeFigureOut">
               <a:rPr lang="en-US" dirty="0"/>
-              <a:t>7/6/2018</a:t>
+              <a:t>7/9/2018</a:t>
             </a:fld>
             <a:endParaRPr lang="en-US" dirty="0"/>
           </a:p>
@@ -5428,7 +5435,7 @@
           <a:p>
             <a:fld id="{4AAD347D-5ACD-4C99-B74B-A9C85AD731AF}" type="datetimeFigureOut">
               <a:rPr lang="en-US" dirty="0"/>
-              <a:t>7/6/2018</a:t>
+              <a:t>7/9/2018</a:t>
             </a:fld>
             <a:endParaRPr lang="en-US" dirty="0"/>
           </a:p>
@@ -6051,13 +6058,6 @@
   <p:clrMapOvr>
     <a:masterClrMapping/>
   </p:clrMapOvr>
-  <p:timing>
-    <p:tnLst>
-      <p:par>
-        <p:cTn id="1" dur="indefinite" restart="never" nodeType="tmRoot"/>
-      </p:par>
-    </p:tnLst>
-  </p:timing>
 </p:sld>
 </file>
 
@@ -6171,7 +6171,7 @@
         </p:nvSpPr>
         <p:spPr>
           <a:xfrm>
-            <a:off x="646111" y="2102614"/>
+            <a:off x="647092" y="2407414"/>
             <a:ext cx="9404723" cy="753230"/>
           </a:xfrm>
           <a:prstGeom prst="rect">
@@ -6261,10 +6261,6 @@
             </a:r>
           </a:p>
           <a:p>
-            <a:r>
-              <a:rPr lang="en-US" dirty="0"/>
-              <a:t/>
-            </a:r>
             <a:br>
               <a:rPr lang="en-US" dirty="0"/>
             </a:br>
@@ -6288,7 +6284,7 @@
         </p:nvSpPr>
         <p:spPr>
           <a:xfrm>
-            <a:off x="1103312" y="2855845"/>
+            <a:off x="1104293" y="3160645"/>
             <a:ext cx="8946541" cy="1046922"/>
           </a:xfrm>
           <a:prstGeom prst="rect">
@@ -6532,7 +6528,7 @@
         </p:nvSpPr>
         <p:spPr>
           <a:xfrm>
-            <a:off x="646111" y="3752510"/>
+            <a:off x="647092" y="4362110"/>
             <a:ext cx="9404723" cy="753230"/>
           </a:xfrm>
           <a:prstGeom prst="rect">
@@ -6643,7 +6639,7 @@
         </p:nvSpPr>
         <p:spPr>
           <a:xfrm>
-            <a:off x="1103312" y="4505741"/>
+            <a:off x="1104293" y="5115341"/>
             <a:ext cx="8946541" cy="1523998"/>
           </a:xfrm>
           <a:prstGeom prst="rect">
@@ -6881,13 +6877,6 @@
   <p:clrMapOvr>
     <a:masterClrMapping/>
   </p:clrMapOvr>
-  <p:timing>
-    <p:tnLst>
-      <p:par>
-        <p:cTn id="1" dur="indefinite" restart="never" nodeType="tmRoot"/>
-      </p:par>
-    </p:tnLst>
-  </p:timing>
 </p:sld>
 </file>
 
@@ -8054,13 +8043,1179 @@
   <p:clrMapOvr>
     <a:masterClrMapping/>
   </p:clrMapOvr>
-  <p:timing>
-    <p:tnLst>
-      <p:par>
-        <p:cTn id="1" dur="indefinite" restart="never" nodeType="tmRoot"/>
-      </p:par>
-    </p:tnLst>
-  </p:timing>
+</p:sld>
+</file>
+
+<file path=ppt/slides/slide4.xml><?xml version="1.0" encoding="utf-8"?>
+<p:sld xmlns:a="http://schemas.openxmlformats.org/drawingml/2006/main" xmlns:r="http://schemas.openxmlformats.org/officeDocument/2006/relationships" xmlns:p="http://schemas.openxmlformats.org/presentationml/2006/main">
+  <p:cSld>
+    <p:spTree>
+      <p:nvGrpSpPr>
+        <p:cNvPr id="1" name=""/>
+        <p:cNvGrpSpPr/>
+        <p:nvPr/>
+      </p:nvGrpSpPr>
+      <p:grpSpPr>
+        <a:xfrm>
+          <a:off x="0" y="0"/>
+          <a:ext cx="0" cy="0"/>
+          <a:chOff x="0" y="0"/>
+          <a:chExt cx="0" cy="0"/>
+        </a:xfrm>
+      </p:grpSpPr>
+      <p:sp>
+        <p:nvSpPr>
+          <p:cNvPr id="2" name="Title 1">
+            <a:extLst>
+              <a:ext uri="{FF2B5EF4-FFF2-40B4-BE49-F238E27FC236}">
+                <a16:creationId xmlns:a16="http://schemas.microsoft.com/office/drawing/2014/main" id="{958B21A8-264E-47C8-88FF-44CB6663D478}"/>
+              </a:ext>
+            </a:extLst>
+          </p:cNvPr>
+          <p:cNvSpPr>
+            <a:spLocks noGrp="1"/>
+          </p:cNvSpPr>
+          <p:nvPr>
+            <p:ph type="title"/>
+          </p:nvPr>
+        </p:nvSpPr>
+        <p:spPr>
+          <a:xfrm>
+            <a:off x="646111" y="452718"/>
+            <a:ext cx="9404723" cy="753230"/>
+          </a:xfrm>
+        </p:spPr>
+        <p:txBody>
+          <a:bodyPr/>
+          <a:lstStyle/>
+          <a:p>
+            <a:r>
+              <a:rPr lang="en-US" dirty="0"/>
+              <a:t>CSS Pseudo-classes</a:t>
+            </a:r>
+          </a:p>
+        </p:txBody>
+      </p:sp>
+      <p:sp>
+        <p:nvSpPr>
+          <p:cNvPr id="3" name="Content Placeholder 2">
+            <a:extLst>
+              <a:ext uri="{FF2B5EF4-FFF2-40B4-BE49-F238E27FC236}">
+                <a16:creationId xmlns:a16="http://schemas.microsoft.com/office/drawing/2014/main" id="{A319EA50-BD0D-47C8-B810-5C69C8F4B37C}"/>
+              </a:ext>
+            </a:extLst>
+          </p:cNvPr>
+          <p:cNvSpPr>
+            <a:spLocks noGrp="1"/>
+          </p:cNvSpPr>
+          <p:nvPr>
+            <p:ph idx="1"/>
+          </p:nvPr>
+        </p:nvSpPr>
+        <p:spPr>
+          <a:xfrm>
+            <a:off x="1103312" y="1205949"/>
+            <a:ext cx="9962253" cy="1046922"/>
+          </a:xfrm>
+        </p:spPr>
+        <p:txBody>
+          <a:bodyPr>
+            <a:normAutofit/>
+          </a:bodyPr>
+          <a:lstStyle/>
+          <a:p>
+            <a:r>
+              <a:rPr lang="en-US" dirty="0"/>
+              <a:t>A pseudo-class is used to define a special state of an element.</a:t>
+            </a:r>
+          </a:p>
+          <a:p>
+            <a:r>
+              <a:rPr lang="en-US" dirty="0">
+                <a:hlinkClick r:id="rId2"/>
+              </a:rPr>
+              <a:t>https://www.w3schools.com/css/css_pseudo_classes.asp</a:t>
+            </a:r>
+            <a:endParaRPr lang="en-US" dirty="0"/>
+          </a:p>
+        </p:txBody>
+      </p:sp>
+      <p:sp>
+        <p:nvSpPr>
+          <p:cNvPr id="5" name="Title 1">
+            <a:extLst>
+              <a:ext uri="{FF2B5EF4-FFF2-40B4-BE49-F238E27FC236}">
+                <a16:creationId xmlns:a16="http://schemas.microsoft.com/office/drawing/2014/main" id="{191D7043-78A8-46E7-8DC7-8F7137C3134E}"/>
+              </a:ext>
+            </a:extLst>
+          </p:cNvPr>
+          <p:cNvSpPr txBox="1">
+            <a:spLocks/>
+          </p:cNvSpPr>
+          <p:nvPr/>
+        </p:nvSpPr>
+        <p:spPr>
+          <a:xfrm>
+            <a:off x="646111" y="2433918"/>
+            <a:ext cx="9404723" cy="753230"/>
+          </a:xfrm>
+          <a:prstGeom prst="rect">
+            <a:avLst/>
+          </a:prstGeom>
+        </p:spPr>
+        <p:txBody>
+          <a:bodyPr vert="horz" lIns="91440" tIns="45720" rIns="91440" bIns="45720" rtlCol="0" anchor="t">
+            <a:noAutofit/>
+          </a:bodyPr>
+          <a:lstStyle>
+            <a:lvl1pPr algn="l" defTabSz="457200" rtl="0" eaLnBrk="1" latinLnBrk="0" hangingPunct="1">
+              <a:spcBef>
+                <a:spcPct val="0"/>
+              </a:spcBef>
+              <a:buNone/>
+              <a:defRPr sz="4200" b="0" i="0" kern="1200">
+                <a:solidFill>
+                  <a:schemeClr val="tx2"/>
+                </a:solidFill>
+                <a:latin typeface="+mj-lt"/>
+                <a:ea typeface="+mj-ea"/>
+                <a:cs typeface="+mj-cs"/>
+              </a:defRPr>
+            </a:lvl1pPr>
+            <a:lvl2pPr eaLnBrk="1" hangingPunct="1">
+              <a:defRPr>
+                <a:solidFill>
+                  <a:schemeClr val="tx2"/>
+                </a:solidFill>
+              </a:defRPr>
+            </a:lvl2pPr>
+            <a:lvl3pPr eaLnBrk="1" hangingPunct="1">
+              <a:defRPr>
+                <a:solidFill>
+                  <a:schemeClr val="tx2"/>
+                </a:solidFill>
+              </a:defRPr>
+            </a:lvl3pPr>
+            <a:lvl4pPr eaLnBrk="1" hangingPunct="1">
+              <a:defRPr>
+                <a:solidFill>
+                  <a:schemeClr val="tx2"/>
+                </a:solidFill>
+              </a:defRPr>
+            </a:lvl4pPr>
+            <a:lvl5pPr eaLnBrk="1" hangingPunct="1">
+              <a:defRPr>
+                <a:solidFill>
+                  <a:schemeClr val="tx2"/>
+                </a:solidFill>
+              </a:defRPr>
+            </a:lvl5pPr>
+            <a:lvl6pPr eaLnBrk="1" hangingPunct="1">
+              <a:defRPr>
+                <a:solidFill>
+                  <a:schemeClr val="tx2"/>
+                </a:solidFill>
+              </a:defRPr>
+            </a:lvl6pPr>
+            <a:lvl7pPr eaLnBrk="1" hangingPunct="1">
+              <a:defRPr>
+                <a:solidFill>
+                  <a:schemeClr val="tx2"/>
+                </a:solidFill>
+              </a:defRPr>
+            </a:lvl7pPr>
+            <a:lvl8pPr eaLnBrk="1" hangingPunct="1">
+              <a:defRPr>
+                <a:solidFill>
+                  <a:schemeClr val="tx2"/>
+                </a:solidFill>
+              </a:defRPr>
+            </a:lvl8pPr>
+            <a:lvl9pPr eaLnBrk="1" hangingPunct="1">
+              <a:defRPr>
+                <a:solidFill>
+                  <a:schemeClr val="tx2"/>
+                </a:solidFill>
+              </a:defRPr>
+            </a:lvl9pPr>
+          </a:lstStyle>
+          <a:p>
+            <a:r>
+              <a:rPr lang="en-US" dirty="0"/>
+              <a:t>CSS Pseudo-elements</a:t>
+            </a:r>
+            <a:br>
+              <a:rPr lang="en-US" dirty="0"/>
+            </a:br>
+            <a:endParaRPr lang="en-US" dirty="0"/>
+          </a:p>
+        </p:txBody>
+      </p:sp>
+      <p:sp>
+        <p:nvSpPr>
+          <p:cNvPr id="6" name="Content Placeholder 2">
+            <a:extLst>
+              <a:ext uri="{FF2B5EF4-FFF2-40B4-BE49-F238E27FC236}">
+                <a16:creationId xmlns:a16="http://schemas.microsoft.com/office/drawing/2014/main" id="{8933ABEF-C9AA-41AC-90C0-97F972A6B92D}"/>
+              </a:ext>
+            </a:extLst>
+          </p:cNvPr>
+          <p:cNvSpPr txBox="1">
+            <a:spLocks/>
+          </p:cNvSpPr>
+          <p:nvPr/>
+        </p:nvSpPr>
+        <p:spPr>
+          <a:xfrm>
+            <a:off x="1103312" y="3187149"/>
+            <a:ext cx="9962253" cy="1052478"/>
+          </a:xfrm>
+          <a:prstGeom prst="rect">
+            <a:avLst/>
+          </a:prstGeom>
+        </p:spPr>
+        <p:txBody>
+          <a:bodyPr vert="horz" lIns="91440" tIns="45720" rIns="91440" bIns="45720" rtlCol="0">
+            <a:normAutofit/>
+          </a:bodyPr>
+          <a:lstStyle>
+            <a:lvl1pPr marL="342900" indent="-342900" algn="l" defTabSz="457200" rtl="0" eaLnBrk="1" latinLnBrk="0" hangingPunct="1">
+              <a:spcBef>
+                <a:spcPts val="1000"/>
+              </a:spcBef>
+              <a:spcAft>
+                <a:spcPts val="0"/>
+              </a:spcAft>
+              <a:buClr>
+                <a:schemeClr val="accent1"/>
+              </a:buClr>
+              <a:buSzPct val="80000"/>
+              <a:buFont typeface="Wingdings 3" charset="2"/>
+              <a:buChar char=""/>
+              <a:defRPr sz="2000" b="0" i="0" kern="1200">
+                <a:solidFill>
+                  <a:schemeClr val="tx1"/>
+                </a:solidFill>
+                <a:latin typeface="+mj-lt"/>
+                <a:ea typeface="+mj-ea"/>
+                <a:cs typeface="+mj-cs"/>
+              </a:defRPr>
+            </a:lvl1pPr>
+            <a:lvl2pPr marL="742950" indent="-285750" algn="l" defTabSz="457200" rtl="0" eaLnBrk="1" latinLnBrk="0" hangingPunct="1">
+              <a:spcBef>
+                <a:spcPts val="1000"/>
+              </a:spcBef>
+              <a:spcAft>
+                <a:spcPts val="0"/>
+              </a:spcAft>
+              <a:buClr>
+                <a:schemeClr val="accent1"/>
+              </a:buClr>
+              <a:buSzPct val="80000"/>
+              <a:buFont typeface="Wingdings 3" charset="2"/>
+              <a:buChar char=""/>
+              <a:defRPr sz="1800" b="0" i="0" kern="1200">
+                <a:solidFill>
+                  <a:schemeClr val="tx1"/>
+                </a:solidFill>
+                <a:latin typeface="+mj-lt"/>
+                <a:ea typeface="+mj-ea"/>
+                <a:cs typeface="+mj-cs"/>
+              </a:defRPr>
+            </a:lvl2pPr>
+            <a:lvl3pPr marL="1143000" indent="-228600" algn="l" defTabSz="457200" rtl="0" eaLnBrk="1" latinLnBrk="0" hangingPunct="1">
+              <a:spcBef>
+                <a:spcPts val="1000"/>
+              </a:spcBef>
+              <a:spcAft>
+                <a:spcPts val="0"/>
+              </a:spcAft>
+              <a:buClr>
+                <a:schemeClr val="accent1"/>
+              </a:buClr>
+              <a:buSzPct val="80000"/>
+              <a:buFont typeface="Wingdings 3" charset="2"/>
+              <a:buChar char=""/>
+              <a:defRPr sz="1600" b="0" i="0" kern="1200">
+                <a:solidFill>
+                  <a:schemeClr val="tx1"/>
+                </a:solidFill>
+                <a:latin typeface="+mj-lt"/>
+                <a:ea typeface="+mj-ea"/>
+                <a:cs typeface="+mj-cs"/>
+              </a:defRPr>
+            </a:lvl3pPr>
+            <a:lvl4pPr marL="1600200" indent="-228600" algn="l" defTabSz="457200" rtl="0" eaLnBrk="1" latinLnBrk="0" hangingPunct="1">
+              <a:spcBef>
+                <a:spcPts val="1000"/>
+              </a:spcBef>
+              <a:spcAft>
+                <a:spcPts val="0"/>
+              </a:spcAft>
+              <a:buClr>
+                <a:schemeClr val="accent1"/>
+              </a:buClr>
+              <a:buSzPct val="80000"/>
+              <a:buFont typeface="Wingdings 3" charset="2"/>
+              <a:buChar char=""/>
+              <a:defRPr sz="1400" b="0" i="0" kern="1200">
+                <a:solidFill>
+                  <a:schemeClr val="tx1"/>
+                </a:solidFill>
+                <a:latin typeface="+mj-lt"/>
+                <a:ea typeface="+mj-ea"/>
+                <a:cs typeface="+mj-cs"/>
+              </a:defRPr>
+            </a:lvl4pPr>
+            <a:lvl5pPr marL="2057400" indent="-228600" algn="l" defTabSz="457200" rtl="0" eaLnBrk="1" latinLnBrk="0" hangingPunct="1">
+              <a:spcBef>
+                <a:spcPts val="1000"/>
+              </a:spcBef>
+              <a:spcAft>
+                <a:spcPts val="0"/>
+              </a:spcAft>
+              <a:buClr>
+                <a:schemeClr val="accent1"/>
+              </a:buClr>
+              <a:buSzPct val="80000"/>
+              <a:buFont typeface="Wingdings 3" charset="2"/>
+              <a:buChar char=""/>
+              <a:defRPr sz="1400" b="0" i="0" kern="1200">
+                <a:solidFill>
+                  <a:schemeClr val="tx1"/>
+                </a:solidFill>
+                <a:latin typeface="+mj-lt"/>
+                <a:ea typeface="+mj-ea"/>
+                <a:cs typeface="+mj-cs"/>
+              </a:defRPr>
+            </a:lvl5pPr>
+            <a:lvl6pPr marL="2514600" indent="-228600" algn="l" defTabSz="457200" rtl="0" eaLnBrk="1" latinLnBrk="0" hangingPunct="1">
+              <a:spcBef>
+                <a:spcPts val="1000"/>
+              </a:spcBef>
+              <a:spcAft>
+                <a:spcPts val="0"/>
+              </a:spcAft>
+              <a:buClr>
+                <a:schemeClr val="accent1"/>
+              </a:buClr>
+              <a:buSzPct val="80000"/>
+              <a:buFont typeface="Wingdings 3" charset="2"/>
+              <a:buChar char=""/>
+              <a:defRPr sz="1400" b="0" i="0" kern="1200">
+                <a:solidFill>
+                  <a:schemeClr val="tx1"/>
+                </a:solidFill>
+                <a:latin typeface="+mj-lt"/>
+                <a:ea typeface="+mj-ea"/>
+                <a:cs typeface="+mj-cs"/>
+              </a:defRPr>
+            </a:lvl6pPr>
+            <a:lvl7pPr marL="2971800" indent="-228600" algn="l" defTabSz="457200" rtl="0" eaLnBrk="1" latinLnBrk="0" hangingPunct="1">
+              <a:spcBef>
+                <a:spcPts val="1000"/>
+              </a:spcBef>
+              <a:spcAft>
+                <a:spcPts val="0"/>
+              </a:spcAft>
+              <a:buClr>
+                <a:schemeClr val="accent1"/>
+              </a:buClr>
+              <a:buSzPct val="80000"/>
+              <a:buFont typeface="Wingdings 3" charset="2"/>
+              <a:buChar char=""/>
+              <a:defRPr sz="1400" b="0" i="0" kern="1200">
+                <a:solidFill>
+                  <a:schemeClr val="tx1"/>
+                </a:solidFill>
+                <a:latin typeface="+mj-lt"/>
+                <a:ea typeface="+mj-ea"/>
+                <a:cs typeface="+mj-cs"/>
+              </a:defRPr>
+            </a:lvl7pPr>
+            <a:lvl8pPr marL="3429000" indent="-228600" algn="l" defTabSz="457200" rtl="0" eaLnBrk="1" latinLnBrk="0" hangingPunct="1">
+              <a:spcBef>
+                <a:spcPts val="1000"/>
+              </a:spcBef>
+              <a:spcAft>
+                <a:spcPts val="0"/>
+              </a:spcAft>
+              <a:buClr>
+                <a:schemeClr val="accent1"/>
+              </a:buClr>
+              <a:buSzPct val="80000"/>
+              <a:buFont typeface="Wingdings 3" charset="2"/>
+              <a:buChar char=""/>
+              <a:defRPr sz="1400" b="0" i="0" kern="1200">
+                <a:solidFill>
+                  <a:schemeClr val="tx1"/>
+                </a:solidFill>
+                <a:latin typeface="+mj-lt"/>
+                <a:ea typeface="+mj-ea"/>
+                <a:cs typeface="+mj-cs"/>
+              </a:defRPr>
+            </a:lvl8pPr>
+            <a:lvl9pPr marL="3886200" indent="-228600" algn="l" defTabSz="457200" rtl="0" eaLnBrk="1" latinLnBrk="0" hangingPunct="1">
+              <a:spcBef>
+                <a:spcPts val="1000"/>
+              </a:spcBef>
+              <a:spcAft>
+                <a:spcPts val="0"/>
+              </a:spcAft>
+              <a:buClr>
+                <a:schemeClr val="accent1"/>
+              </a:buClr>
+              <a:buSzPct val="80000"/>
+              <a:buFont typeface="Wingdings 3" charset="2"/>
+              <a:buChar char=""/>
+              <a:defRPr sz="1400" b="0" i="0" kern="1200">
+                <a:solidFill>
+                  <a:schemeClr val="tx1"/>
+                </a:solidFill>
+                <a:latin typeface="+mj-lt"/>
+                <a:ea typeface="+mj-ea"/>
+                <a:cs typeface="+mj-cs"/>
+              </a:defRPr>
+            </a:lvl9pPr>
+          </a:lstStyle>
+          <a:p>
+            <a:r>
+              <a:rPr lang="en-US" dirty="0"/>
+              <a:t>A CSS pseudo-element is used to style specified parts of an element. </a:t>
+            </a:r>
+          </a:p>
+          <a:p>
+            <a:r>
+              <a:rPr lang="en-US" dirty="0">
+                <a:hlinkClick r:id="rId3"/>
+              </a:rPr>
+              <a:t>https://www.w3schools.com/css/css_pseudo_elements.asp</a:t>
+            </a:r>
+            <a:endParaRPr lang="en-US" dirty="0"/>
+          </a:p>
+        </p:txBody>
+      </p:sp>
+      <p:sp>
+        <p:nvSpPr>
+          <p:cNvPr id="7" name="Title 1">
+            <a:extLst>
+              <a:ext uri="{FF2B5EF4-FFF2-40B4-BE49-F238E27FC236}">
+                <a16:creationId xmlns:a16="http://schemas.microsoft.com/office/drawing/2014/main" id="{AC8C145B-C53F-4965-95AD-BED9DDD94B5A}"/>
+              </a:ext>
+            </a:extLst>
+          </p:cNvPr>
+          <p:cNvSpPr txBox="1">
+            <a:spLocks/>
+          </p:cNvSpPr>
+          <p:nvPr/>
+        </p:nvSpPr>
+        <p:spPr>
+          <a:xfrm>
+            <a:off x="646111" y="4415118"/>
+            <a:ext cx="9404723" cy="753230"/>
+          </a:xfrm>
+          <a:prstGeom prst="rect">
+            <a:avLst/>
+          </a:prstGeom>
+        </p:spPr>
+        <p:txBody>
+          <a:bodyPr vert="horz" lIns="91440" tIns="45720" rIns="91440" bIns="45720" rtlCol="0" anchor="t">
+            <a:noAutofit/>
+          </a:bodyPr>
+          <a:lstStyle>
+            <a:lvl1pPr algn="l" defTabSz="457200" rtl="0" eaLnBrk="1" latinLnBrk="0" hangingPunct="1">
+              <a:spcBef>
+                <a:spcPct val="0"/>
+              </a:spcBef>
+              <a:buNone/>
+              <a:defRPr sz="4200" b="0" i="0" kern="1200">
+                <a:solidFill>
+                  <a:schemeClr val="tx2"/>
+                </a:solidFill>
+                <a:latin typeface="+mj-lt"/>
+                <a:ea typeface="+mj-ea"/>
+                <a:cs typeface="+mj-cs"/>
+              </a:defRPr>
+            </a:lvl1pPr>
+            <a:lvl2pPr eaLnBrk="1" hangingPunct="1">
+              <a:defRPr>
+                <a:solidFill>
+                  <a:schemeClr val="tx2"/>
+                </a:solidFill>
+              </a:defRPr>
+            </a:lvl2pPr>
+            <a:lvl3pPr eaLnBrk="1" hangingPunct="1">
+              <a:defRPr>
+                <a:solidFill>
+                  <a:schemeClr val="tx2"/>
+                </a:solidFill>
+              </a:defRPr>
+            </a:lvl3pPr>
+            <a:lvl4pPr eaLnBrk="1" hangingPunct="1">
+              <a:defRPr>
+                <a:solidFill>
+                  <a:schemeClr val="tx2"/>
+                </a:solidFill>
+              </a:defRPr>
+            </a:lvl4pPr>
+            <a:lvl5pPr eaLnBrk="1" hangingPunct="1">
+              <a:defRPr>
+                <a:solidFill>
+                  <a:schemeClr val="tx2"/>
+                </a:solidFill>
+              </a:defRPr>
+            </a:lvl5pPr>
+            <a:lvl6pPr eaLnBrk="1" hangingPunct="1">
+              <a:defRPr>
+                <a:solidFill>
+                  <a:schemeClr val="tx2"/>
+                </a:solidFill>
+              </a:defRPr>
+            </a:lvl6pPr>
+            <a:lvl7pPr eaLnBrk="1" hangingPunct="1">
+              <a:defRPr>
+                <a:solidFill>
+                  <a:schemeClr val="tx2"/>
+                </a:solidFill>
+              </a:defRPr>
+            </a:lvl7pPr>
+            <a:lvl8pPr eaLnBrk="1" hangingPunct="1">
+              <a:defRPr>
+                <a:solidFill>
+                  <a:schemeClr val="tx2"/>
+                </a:solidFill>
+              </a:defRPr>
+            </a:lvl8pPr>
+            <a:lvl9pPr eaLnBrk="1" hangingPunct="1">
+              <a:defRPr>
+                <a:solidFill>
+                  <a:schemeClr val="tx2"/>
+                </a:solidFill>
+              </a:defRPr>
+            </a:lvl9pPr>
+          </a:lstStyle>
+          <a:p>
+            <a:r>
+              <a:rPr lang="en-US" dirty="0"/>
+              <a:t>CSS Opacity / Transparency</a:t>
+            </a:r>
+            <a:br>
+              <a:rPr lang="en-US" dirty="0"/>
+            </a:br>
+            <a:endParaRPr lang="en-US" dirty="0"/>
+          </a:p>
+        </p:txBody>
+      </p:sp>
+      <p:sp>
+        <p:nvSpPr>
+          <p:cNvPr id="8" name="Content Placeholder 2">
+            <a:extLst>
+              <a:ext uri="{FF2B5EF4-FFF2-40B4-BE49-F238E27FC236}">
+                <a16:creationId xmlns:a16="http://schemas.microsoft.com/office/drawing/2014/main" id="{2AB33A39-D25B-4718-ABB7-7C192DAB0650}"/>
+              </a:ext>
+            </a:extLst>
+          </p:cNvPr>
+          <p:cNvSpPr txBox="1">
+            <a:spLocks/>
+          </p:cNvSpPr>
+          <p:nvPr/>
+        </p:nvSpPr>
+        <p:spPr>
+          <a:xfrm>
+            <a:off x="1103313" y="5246256"/>
+            <a:ext cx="9763471" cy="1036882"/>
+          </a:xfrm>
+          <a:prstGeom prst="rect">
+            <a:avLst/>
+          </a:prstGeom>
+        </p:spPr>
+        <p:txBody>
+          <a:bodyPr vert="horz" lIns="91440" tIns="45720" rIns="91440" bIns="45720" rtlCol="0">
+            <a:normAutofit fontScale="92500"/>
+          </a:bodyPr>
+          <a:lstStyle>
+            <a:lvl1pPr marL="342900" indent="-342900" algn="l" defTabSz="457200" rtl="0" eaLnBrk="1" latinLnBrk="0" hangingPunct="1">
+              <a:spcBef>
+                <a:spcPts val="1000"/>
+              </a:spcBef>
+              <a:spcAft>
+                <a:spcPts val="0"/>
+              </a:spcAft>
+              <a:buClr>
+                <a:schemeClr val="accent1"/>
+              </a:buClr>
+              <a:buSzPct val="80000"/>
+              <a:buFont typeface="Wingdings 3" charset="2"/>
+              <a:buChar char=""/>
+              <a:defRPr sz="2000" b="0" i="0" kern="1200">
+                <a:solidFill>
+                  <a:schemeClr val="tx1"/>
+                </a:solidFill>
+                <a:latin typeface="+mj-lt"/>
+                <a:ea typeface="+mj-ea"/>
+                <a:cs typeface="+mj-cs"/>
+              </a:defRPr>
+            </a:lvl1pPr>
+            <a:lvl2pPr marL="742950" indent="-285750" algn="l" defTabSz="457200" rtl="0" eaLnBrk="1" latinLnBrk="0" hangingPunct="1">
+              <a:spcBef>
+                <a:spcPts val="1000"/>
+              </a:spcBef>
+              <a:spcAft>
+                <a:spcPts val="0"/>
+              </a:spcAft>
+              <a:buClr>
+                <a:schemeClr val="accent1"/>
+              </a:buClr>
+              <a:buSzPct val="80000"/>
+              <a:buFont typeface="Wingdings 3" charset="2"/>
+              <a:buChar char=""/>
+              <a:defRPr sz="1800" b="0" i="0" kern="1200">
+                <a:solidFill>
+                  <a:schemeClr val="tx1"/>
+                </a:solidFill>
+                <a:latin typeface="+mj-lt"/>
+                <a:ea typeface="+mj-ea"/>
+                <a:cs typeface="+mj-cs"/>
+              </a:defRPr>
+            </a:lvl2pPr>
+            <a:lvl3pPr marL="1143000" indent="-228600" algn="l" defTabSz="457200" rtl="0" eaLnBrk="1" latinLnBrk="0" hangingPunct="1">
+              <a:spcBef>
+                <a:spcPts val="1000"/>
+              </a:spcBef>
+              <a:spcAft>
+                <a:spcPts val="0"/>
+              </a:spcAft>
+              <a:buClr>
+                <a:schemeClr val="accent1"/>
+              </a:buClr>
+              <a:buSzPct val="80000"/>
+              <a:buFont typeface="Wingdings 3" charset="2"/>
+              <a:buChar char=""/>
+              <a:defRPr sz="1600" b="0" i="0" kern="1200">
+                <a:solidFill>
+                  <a:schemeClr val="tx1"/>
+                </a:solidFill>
+                <a:latin typeface="+mj-lt"/>
+                <a:ea typeface="+mj-ea"/>
+                <a:cs typeface="+mj-cs"/>
+              </a:defRPr>
+            </a:lvl3pPr>
+            <a:lvl4pPr marL="1600200" indent="-228600" algn="l" defTabSz="457200" rtl="0" eaLnBrk="1" latinLnBrk="0" hangingPunct="1">
+              <a:spcBef>
+                <a:spcPts val="1000"/>
+              </a:spcBef>
+              <a:spcAft>
+                <a:spcPts val="0"/>
+              </a:spcAft>
+              <a:buClr>
+                <a:schemeClr val="accent1"/>
+              </a:buClr>
+              <a:buSzPct val="80000"/>
+              <a:buFont typeface="Wingdings 3" charset="2"/>
+              <a:buChar char=""/>
+              <a:defRPr sz="1400" b="0" i="0" kern="1200">
+                <a:solidFill>
+                  <a:schemeClr val="tx1"/>
+                </a:solidFill>
+                <a:latin typeface="+mj-lt"/>
+                <a:ea typeface="+mj-ea"/>
+                <a:cs typeface="+mj-cs"/>
+              </a:defRPr>
+            </a:lvl4pPr>
+            <a:lvl5pPr marL="2057400" indent="-228600" algn="l" defTabSz="457200" rtl="0" eaLnBrk="1" latinLnBrk="0" hangingPunct="1">
+              <a:spcBef>
+                <a:spcPts val="1000"/>
+              </a:spcBef>
+              <a:spcAft>
+                <a:spcPts val="0"/>
+              </a:spcAft>
+              <a:buClr>
+                <a:schemeClr val="accent1"/>
+              </a:buClr>
+              <a:buSzPct val="80000"/>
+              <a:buFont typeface="Wingdings 3" charset="2"/>
+              <a:buChar char=""/>
+              <a:defRPr sz="1400" b="0" i="0" kern="1200">
+                <a:solidFill>
+                  <a:schemeClr val="tx1"/>
+                </a:solidFill>
+                <a:latin typeface="+mj-lt"/>
+                <a:ea typeface="+mj-ea"/>
+                <a:cs typeface="+mj-cs"/>
+              </a:defRPr>
+            </a:lvl5pPr>
+            <a:lvl6pPr marL="2514600" indent="-228600" algn="l" defTabSz="457200" rtl="0" eaLnBrk="1" latinLnBrk="0" hangingPunct="1">
+              <a:spcBef>
+                <a:spcPts val="1000"/>
+              </a:spcBef>
+              <a:spcAft>
+                <a:spcPts val="0"/>
+              </a:spcAft>
+              <a:buClr>
+                <a:schemeClr val="accent1"/>
+              </a:buClr>
+              <a:buSzPct val="80000"/>
+              <a:buFont typeface="Wingdings 3" charset="2"/>
+              <a:buChar char=""/>
+              <a:defRPr sz="1400" b="0" i="0" kern="1200">
+                <a:solidFill>
+                  <a:schemeClr val="tx1"/>
+                </a:solidFill>
+                <a:latin typeface="+mj-lt"/>
+                <a:ea typeface="+mj-ea"/>
+                <a:cs typeface="+mj-cs"/>
+              </a:defRPr>
+            </a:lvl6pPr>
+            <a:lvl7pPr marL="2971800" indent="-228600" algn="l" defTabSz="457200" rtl="0" eaLnBrk="1" latinLnBrk="0" hangingPunct="1">
+              <a:spcBef>
+                <a:spcPts val="1000"/>
+              </a:spcBef>
+              <a:spcAft>
+                <a:spcPts val="0"/>
+              </a:spcAft>
+              <a:buClr>
+                <a:schemeClr val="accent1"/>
+              </a:buClr>
+              <a:buSzPct val="80000"/>
+              <a:buFont typeface="Wingdings 3" charset="2"/>
+              <a:buChar char=""/>
+              <a:defRPr sz="1400" b="0" i="0" kern="1200">
+                <a:solidFill>
+                  <a:schemeClr val="tx1"/>
+                </a:solidFill>
+                <a:latin typeface="+mj-lt"/>
+                <a:ea typeface="+mj-ea"/>
+                <a:cs typeface="+mj-cs"/>
+              </a:defRPr>
+            </a:lvl7pPr>
+            <a:lvl8pPr marL="3429000" indent="-228600" algn="l" defTabSz="457200" rtl="0" eaLnBrk="1" latinLnBrk="0" hangingPunct="1">
+              <a:spcBef>
+                <a:spcPts val="1000"/>
+              </a:spcBef>
+              <a:spcAft>
+                <a:spcPts val="0"/>
+              </a:spcAft>
+              <a:buClr>
+                <a:schemeClr val="accent1"/>
+              </a:buClr>
+              <a:buSzPct val="80000"/>
+              <a:buFont typeface="Wingdings 3" charset="2"/>
+              <a:buChar char=""/>
+              <a:defRPr sz="1400" b="0" i="0" kern="1200">
+                <a:solidFill>
+                  <a:schemeClr val="tx1"/>
+                </a:solidFill>
+                <a:latin typeface="+mj-lt"/>
+                <a:ea typeface="+mj-ea"/>
+                <a:cs typeface="+mj-cs"/>
+              </a:defRPr>
+            </a:lvl8pPr>
+            <a:lvl9pPr marL="3886200" indent="-228600" algn="l" defTabSz="457200" rtl="0" eaLnBrk="1" latinLnBrk="0" hangingPunct="1">
+              <a:spcBef>
+                <a:spcPts val="1000"/>
+              </a:spcBef>
+              <a:spcAft>
+                <a:spcPts val="0"/>
+              </a:spcAft>
+              <a:buClr>
+                <a:schemeClr val="accent1"/>
+              </a:buClr>
+              <a:buSzPct val="80000"/>
+              <a:buFont typeface="Wingdings 3" charset="2"/>
+              <a:buChar char=""/>
+              <a:defRPr sz="1400" b="0" i="0" kern="1200">
+                <a:solidFill>
+                  <a:schemeClr val="tx1"/>
+                </a:solidFill>
+                <a:latin typeface="+mj-lt"/>
+                <a:ea typeface="+mj-ea"/>
+                <a:cs typeface="+mj-cs"/>
+              </a:defRPr>
+            </a:lvl9pPr>
+          </a:lstStyle>
+          <a:p>
+            <a:r>
+              <a:rPr lang="en-US" sz="2200" dirty="0"/>
+              <a:t>The opacity property specifies the opacity/transparency of an element.</a:t>
+            </a:r>
+          </a:p>
+          <a:p>
+            <a:r>
+              <a:rPr lang="en-US" dirty="0">
+                <a:hlinkClick r:id="rId4"/>
+              </a:rPr>
+              <a:t>https://www.w3schools.com/css/css_image_transparency.asp</a:t>
+            </a:r>
+            <a:endParaRPr lang="en-US" dirty="0"/>
+          </a:p>
+        </p:txBody>
+      </p:sp>
+    </p:spTree>
+    <p:extLst>
+      <p:ext uri="{BB962C8B-B14F-4D97-AF65-F5344CB8AC3E}">
+        <p14:creationId xmlns:p14="http://schemas.microsoft.com/office/powerpoint/2010/main" val="3781770860"/>
+      </p:ext>
+    </p:extLst>
+  </p:cSld>
+  <p:clrMapOvr>
+    <a:masterClrMapping/>
+  </p:clrMapOvr>
+</p:sld>
+</file>
+
+<file path=ppt/slides/slide5.xml><?xml version="1.0" encoding="utf-8"?>
+<p:sld xmlns:a="http://schemas.openxmlformats.org/drawingml/2006/main" xmlns:r="http://schemas.openxmlformats.org/officeDocument/2006/relationships" xmlns:p="http://schemas.openxmlformats.org/presentationml/2006/main">
+  <p:cSld>
+    <p:spTree>
+      <p:nvGrpSpPr>
+        <p:cNvPr id="1" name=""/>
+        <p:cNvGrpSpPr/>
+        <p:nvPr/>
+      </p:nvGrpSpPr>
+      <p:grpSpPr>
+        <a:xfrm>
+          <a:off x="0" y="0"/>
+          <a:ext cx="0" cy="0"/>
+          <a:chOff x="0" y="0"/>
+          <a:chExt cx="0" cy="0"/>
+        </a:xfrm>
+      </p:grpSpPr>
+      <p:sp>
+        <p:nvSpPr>
+          <p:cNvPr id="2" name="Title 1">
+            <a:extLst>
+              <a:ext uri="{FF2B5EF4-FFF2-40B4-BE49-F238E27FC236}">
+                <a16:creationId xmlns:a16="http://schemas.microsoft.com/office/drawing/2014/main" id="{54B056CE-7536-47C2-BF6F-641D2FC9CC51}"/>
+              </a:ext>
+            </a:extLst>
+          </p:cNvPr>
+          <p:cNvSpPr>
+            <a:spLocks noGrp="1"/>
+          </p:cNvSpPr>
+          <p:nvPr>
+            <p:ph type="title"/>
+          </p:nvPr>
+        </p:nvSpPr>
+        <p:spPr/>
+        <p:txBody>
+          <a:bodyPr/>
+          <a:lstStyle/>
+          <a:p>
+            <a:r>
+              <a:rPr lang="en-US" dirty="0"/>
+              <a:t>Project Setup</a:t>
+            </a:r>
+          </a:p>
+        </p:txBody>
+      </p:sp>
+      <p:sp>
+        <p:nvSpPr>
+          <p:cNvPr id="3" name="Content Placeholder 2">
+            <a:extLst>
+              <a:ext uri="{FF2B5EF4-FFF2-40B4-BE49-F238E27FC236}">
+                <a16:creationId xmlns:a16="http://schemas.microsoft.com/office/drawing/2014/main" id="{A05BE521-C791-47DC-9FFE-AF9E54758E53}"/>
+              </a:ext>
+            </a:extLst>
+          </p:cNvPr>
+          <p:cNvSpPr>
+            <a:spLocks noGrp="1"/>
+          </p:cNvSpPr>
+          <p:nvPr>
+            <p:ph idx="1"/>
+          </p:nvPr>
+        </p:nvSpPr>
+        <p:spPr/>
+        <p:txBody>
+          <a:bodyPr/>
+          <a:lstStyle/>
+          <a:p>
+            <a:r>
+              <a:rPr lang="en-US" dirty="0"/>
+              <a:t>Create a new GitHub repository and clone it.</a:t>
+            </a:r>
+          </a:p>
+          <a:p>
+            <a:endParaRPr lang="en-US" dirty="0"/>
+          </a:p>
+          <a:p>
+            <a:r>
+              <a:rPr lang="en-US" dirty="0"/>
+              <a:t>Create a HTML file and name it index.html</a:t>
+            </a:r>
+          </a:p>
+          <a:p>
+            <a:endParaRPr lang="en-US" dirty="0"/>
+          </a:p>
+          <a:p>
+            <a:r>
+              <a:rPr lang="en-US" dirty="0"/>
+              <a:t>Create a CSS file and name it project.css</a:t>
+            </a:r>
+          </a:p>
+          <a:p>
+            <a:endParaRPr lang="en-US" dirty="0"/>
+          </a:p>
+          <a:p>
+            <a:r>
+              <a:rPr lang="en-US" dirty="0"/>
+              <a:t>Create a JS file and name it project.js</a:t>
+            </a:r>
+          </a:p>
+          <a:p>
+            <a:endParaRPr lang="en-US" dirty="0"/>
+          </a:p>
+          <a:p>
+            <a:r>
+              <a:rPr lang="en-US" dirty="0"/>
+              <a:t>Commit and push the changes to the repository.</a:t>
+            </a:r>
+          </a:p>
+        </p:txBody>
+      </p:sp>
+    </p:spTree>
+    <p:extLst>
+      <p:ext uri="{BB962C8B-B14F-4D97-AF65-F5344CB8AC3E}">
+        <p14:creationId xmlns:p14="http://schemas.microsoft.com/office/powerpoint/2010/main" val="932172446"/>
+      </p:ext>
+    </p:extLst>
+  </p:cSld>
+  <p:clrMapOvr>
+    <a:masterClrMapping/>
+  </p:clrMapOvr>
+</p:sld>
+</file>
+
+<file path=ppt/slides/slide6.xml><?xml version="1.0" encoding="utf-8"?>
+<p:sld xmlns:a="http://schemas.openxmlformats.org/drawingml/2006/main" xmlns:r="http://schemas.openxmlformats.org/officeDocument/2006/relationships" xmlns:p="http://schemas.openxmlformats.org/presentationml/2006/main">
+  <p:cSld>
+    <p:spTree>
+      <p:nvGrpSpPr>
+        <p:cNvPr id="1" name=""/>
+        <p:cNvGrpSpPr/>
+        <p:nvPr/>
+      </p:nvGrpSpPr>
+      <p:grpSpPr>
+        <a:xfrm>
+          <a:off x="0" y="0"/>
+          <a:ext cx="0" cy="0"/>
+          <a:chOff x="0" y="0"/>
+          <a:chExt cx="0" cy="0"/>
+        </a:xfrm>
+      </p:grpSpPr>
+      <p:sp>
+        <p:nvSpPr>
+          <p:cNvPr id="2" name="Title 1">
+            <a:extLst>
+              <a:ext uri="{FF2B5EF4-FFF2-40B4-BE49-F238E27FC236}">
+                <a16:creationId xmlns:a16="http://schemas.microsoft.com/office/drawing/2014/main" id="{BE5CA9DB-0C6E-4216-887A-DE660092BDAC}"/>
+              </a:ext>
+            </a:extLst>
+          </p:cNvPr>
+          <p:cNvSpPr>
+            <a:spLocks noGrp="1"/>
+          </p:cNvSpPr>
+          <p:nvPr>
+            <p:ph type="title"/>
+          </p:nvPr>
+        </p:nvSpPr>
+        <p:spPr/>
+        <p:txBody>
+          <a:bodyPr/>
+          <a:lstStyle/>
+          <a:p>
+            <a:r>
+              <a:rPr lang="en-US" dirty="0"/>
+              <a:t>Assignment 10 due – 7/10/2018</a:t>
+            </a:r>
+          </a:p>
+        </p:txBody>
+      </p:sp>
+      <p:sp>
+        <p:nvSpPr>
+          <p:cNvPr id="3" name="Content Placeholder 2">
+            <a:extLst>
+              <a:ext uri="{FF2B5EF4-FFF2-40B4-BE49-F238E27FC236}">
+                <a16:creationId xmlns:a16="http://schemas.microsoft.com/office/drawing/2014/main" id="{C9779723-5D7C-4F01-8EB7-2EE0C8FFAB44}"/>
+              </a:ext>
+            </a:extLst>
+          </p:cNvPr>
+          <p:cNvSpPr>
+            <a:spLocks noGrp="1"/>
+          </p:cNvSpPr>
+          <p:nvPr>
+            <p:ph idx="1"/>
+          </p:nvPr>
+        </p:nvSpPr>
+        <p:spPr>
+          <a:xfrm>
+            <a:off x="1103312" y="1336432"/>
+            <a:ext cx="8946541" cy="5249898"/>
+          </a:xfrm>
+        </p:spPr>
+        <p:txBody>
+          <a:bodyPr>
+            <a:normAutofit/>
+          </a:bodyPr>
+          <a:lstStyle/>
+          <a:p>
+            <a:r>
+              <a:rPr lang="en-US" dirty="0"/>
+              <a:t>Create a sample HTML file to the output as below:</a:t>
+            </a:r>
+          </a:p>
+          <a:p>
+            <a:r>
+              <a:rPr lang="en-US" dirty="0"/>
+              <a:t>Position the image behind the text. </a:t>
+            </a:r>
+          </a:p>
+          <a:p>
+            <a:r>
+              <a:rPr lang="en-US" dirty="0"/>
+              <a:t>Use the markup below:</a:t>
+            </a:r>
+          </a:p>
+          <a:p>
+            <a:endParaRPr lang="en-US" dirty="0"/>
+          </a:p>
+          <a:p>
+            <a:endParaRPr lang="en-US" dirty="0"/>
+          </a:p>
+          <a:p>
+            <a:endParaRPr lang="en-US" dirty="0"/>
+          </a:p>
+          <a:p>
+            <a:endParaRPr lang="en-US" dirty="0"/>
+          </a:p>
+          <a:p>
+            <a:endParaRPr lang="en-US" dirty="0"/>
+          </a:p>
+          <a:p>
+            <a:r>
+              <a:rPr lang="en-US" dirty="0"/>
+              <a:t>Save this as “</a:t>
+            </a:r>
+            <a:r>
+              <a:rPr lang="en-US" b="1" dirty="0"/>
+              <a:t>assignment10.html</a:t>
+            </a:r>
+            <a:r>
+              <a:rPr lang="en-US" dirty="0"/>
+              <a:t>” in </a:t>
+            </a:r>
+            <a:r>
+              <a:rPr lang="en-US" b="1" dirty="0"/>
+              <a:t>Homework</a:t>
+            </a:r>
+            <a:r>
+              <a:rPr lang="en-US" dirty="0"/>
+              <a:t> folder in your repository “</a:t>
+            </a:r>
+            <a:r>
+              <a:rPr lang="en-US" b="1" dirty="0" err="1"/>
+              <a:t>Assignments_yourname</a:t>
+            </a:r>
+            <a:r>
+              <a:rPr lang="en-US" dirty="0"/>
+              <a:t>”.</a:t>
+            </a:r>
+          </a:p>
+          <a:p>
+            <a:endParaRPr lang="en-US" b="1" dirty="0"/>
+          </a:p>
+          <a:p>
+            <a:r>
+              <a:rPr lang="en-US" b="1" dirty="0"/>
+              <a:t>Commit</a:t>
+            </a:r>
+            <a:r>
+              <a:rPr lang="en-US" dirty="0"/>
+              <a:t> and </a:t>
+            </a:r>
+            <a:r>
+              <a:rPr lang="en-US" b="1" dirty="0"/>
+              <a:t>push</a:t>
+            </a:r>
+            <a:r>
+              <a:rPr lang="en-US" dirty="0"/>
+              <a:t> the changes to the repository.</a:t>
+            </a:r>
+          </a:p>
+          <a:p>
+            <a:endParaRPr lang="en-US" dirty="0"/>
+          </a:p>
+        </p:txBody>
+      </p:sp>
+      <p:pic>
+        <p:nvPicPr>
+          <p:cNvPr id="4" name="Picture 3">
+            <a:extLst>
+              <a:ext uri="{FF2B5EF4-FFF2-40B4-BE49-F238E27FC236}">
+                <a16:creationId xmlns:a16="http://schemas.microsoft.com/office/drawing/2014/main" id="{802E5EDF-B72B-423E-A509-A95B6651BB2A}"/>
+              </a:ext>
+            </a:extLst>
+          </p:cNvPr>
+          <p:cNvPicPr>
+            <a:picLocks noChangeAspect="1"/>
+          </p:cNvPicPr>
+          <p:nvPr/>
+        </p:nvPicPr>
+        <p:blipFill>
+          <a:blip r:embed="rId2"/>
+          <a:stretch>
+            <a:fillRect/>
+          </a:stretch>
+        </p:blipFill>
+        <p:spPr>
+          <a:xfrm>
+            <a:off x="646111" y="2811577"/>
+            <a:ext cx="6019386" cy="936029"/>
+          </a:xfrm>
+          <a:prstGeom prst="rect">
+            <a:avLst/>
+          </a:prstGeom>
+        </p:spPr>
+      </p:pic>
+      <p:pic>
+        <p:nvPicPr>
+          <p:cNvPr id="5" name="Picture 4">
+            <a:extLst>
+              <a:ext uri="{FF2B5EF4-FFF2-40B4-BE49-F238E27FC236}">
+                <a16:creationId xmlns:a16="http://schemas.microsoft.com/office/drawing/2014/main" id="{091301B0-7334-49FB-9967-426E76DE1F9F}"/>
+              </a:ext>
+            </a:extLst>
+          </p:cNvPr>
+          <p:cNvPicPr>
+            <a:picLocks noChangeAspect="1"/>
+          </p:cNvPicPr>
+          <p:nvPr/>
+        </p:nvPicPr>
+        <p:blipFill>
+          <a:blip r:embed="rId3"/>
+          <a:stretch>
+            <a:fillRect/>
+          </a:stretch>
+        </p:blipFill>
+        <p:spPr>
+          <a:xfrm>
+            <a:off x="7001020" y="1739141"/>
+            <a:ext cx="4870205" cy="2144872"/>
+          </a:xfrm>
+          <a:prstGeom prst="rect">
+            <a:avLst/>
+          </a:prstGeom>
+        </p:spPr>
+      </p:pic>
+    </p:spTree>
+    <p:extLst>
+      <p:ext uri="{BB962C8B-B14F-4D97-AF65-F5344CB8AC3E}">
+        <p14:creationId xmlns:p14="http://schemas.microsoft.com/office/powerpoint/2010/main" val="3151779810"/>
+      </p:ext>
+    </p:extLst>
+  </p:cSld>
+  <p:clrMapOvr>
+    <a:masterClrMapping/>
+  </p:clrMapOvr>
 </p:sld>
 </file>
 

--- a/Day 10 - CSS – Continued.pptx
+++ b/Day 10 - CSS – Continued.pptx
@@ -304,7 +304,7 @@
           <a:p>
             <a:fld id="{4AAD347D-5ACD-4C99-B74B-A9C85AD731AF}" type="datetimeFigureOut">
               <a:rPr lang="en-US" dirty="0"/>
-              <a:t>7/9/2018</a:t>
+              <a:t>7/10/2018</a:t>
             </a:fld>
             <a:endParaRPr lang="en-US" dirty="0"/>
           </a:p>
@@ -574,7 +574,7 @@
           <a:p>
             <a:fld id="{4509A250-FF31-4206-8172-F9D3106AACB1}" type="datetimeFigureOut">
               <a:rPr lang="en-US" dirty="0"/>
-              <a:t>7/9/2018</a:t>
+              <a:t>7/10/2018</a:t>
             </a:fld>
             <a:endParaRPr lang="en-US" dirty="0"/>
           </a:p>
@@ -763,7 +763,7 @@
           <a:p>
             <a:fld id="{4509A250-FF31-4206-8172-F9D3106AACB1}" type="datetimeFigureOut">
               <a:rPr lang="en-US" dirty="0"/>
-              <a:t>7/9/2018</a:t>
+              <a:t>7/10/2018</a:t>
             </a:fld>
             <a:endParaRPr lang="en-US" dirty="0"/>
           </a:p>
@@ -1026,7 +1026,7 @@
           <a:p>
             <a:fld id="{4509A250-FF31-4206-8172-F9D3106AACB1}" type="datetimeFigureOut">
               <a:rPr lang="en-US" dirty="0"/>
-              <a:t>7/9/2018</a:t>
+              <a:t>7/10/2018</a:t>
             </a:fld>
             <a:endParaRPr lang="en-US" dirty="0"/>
           </a:p>
@@ -1353,7 +1353,7 @@
           <a:p>
             <a:fld id="{4509A250-FF31-4206-8172-F9D3106AACB1}" type="datetimeFigureOut">
               <a:rPr lang="en-US" dirty="0"/>
-              <a:t>7/9/2018</a:t>
+              <a:t>7/10/2018</a:t>
             </a:fld>
             <a:endParaRPr lang="en-US" dirty="0"/>
           </a:p>
@@ -1958,7 +1958,7 @@
           <a:p>
             <a:fld id="{4509A250-FF31-4206-8172-F9D3106AACB1}" type="datetimeFigureOut">
               <a:rPr lang="en-US" dirty="0"/>
-              <a:t>7/9/2018</a:t>
+              <a:t>7/10/2018</a:t>
             </a:fld>
             <a:endParaRPr lang="en-US" dirty="0"/>
           </a:p>
@@ -2800,7 +2800,7 @@
           <a:p>
             <a:fld id="{4509A250-FF31-4206-8172-F9D3106AACB1}" type="datetimeFigureOut">
               <a:rPr lang="en-US" dirty="0"/>
-              <a:t>7/9/2018</a:t>
+              <a:t>7/10/2018</a:t>
             </a:fld>
             <a:endParaRPr lang="en-US" dirty="0"/>
           </a:p>
@@ -2965,7 +2965,7 @@
           <a:p>
             <a:fld id="{4509A250-FF31-4206-8172-F9D3106AACB1}" type="datetimeFigureOut">
               <a:rPr lang="en-US" dirty="0"/>
-              <a:t>7/9/2018</a:t>
+              <a:t>7/10/2018</a:t>
             </a:fld>
             <a:endParaRPr lang="en-US" dirty="0"/>
           </a:p>
@@ -3140,7 +3140,7 @@
           <a:p>
             <a:fld id="{4509A250-FF31-4206-8172-F9D3106AACB1}" type="datetimeFigureOut">
               <a:rPr lang="en-US" dirty="0"/>
-              <a:t>7/9/2018</a:t>
+              <a:t>7/10/2018</a:t>
             </a:fld>
             <a:endParaRPr lang="en-US" dirty="0"/>
           </a:p>
@@ -3305,7 +3305,7 @@
           <a:p>
             <a:fld id="{4509A250-FF31-4206-8172-F9D3106AACB1}" type="datetimeFigureOut">
               <a:rPr lang="en-US" dirty="0"/>
-              <a:t>7/9/2018</a:t>
+              <a:t>7/10/2018</a:t>
             </a:fld>
             <a:endParaRPr lang="en-US" dirty="0"/>
           </a:p>
@@ -3544,7 +3544,7 @@
           <a:p>
             <a:fld id="{9796027F-7875-4030-9381-8BD8C4F21935}" type="datetimeFigureOut">
               <a:rPr lang="en-US" dirty="0"/>
-              <a:t>7/9/2018</a:t>
+              <a:t>7/10/2018</a:t>
             </a:fld>
             <a:endParaRPr lang="en-US" dirty="0"/>
           </a:p>
@@ -3831,7 +3831,7 @@
           <a:p>
             <a:fld id="{9796027F-7875-4030-9381-8BD8C4F21935}" type="datetimeFigureOut">
               <a:rPr lang="en-US" dirty="0"/>
-              <a:t>7/9/2018</a:t>
+              <a:t>7/10/2018</a:t>
             </a:fld>
             <a:endParaRPr lang="en-US" dirty="0"/>
           </a:p>
@@ -4264,7 +4264,7 @@
           <a:p>
             <a:fld id="{9796027F-7875-4030-9381-8BD8C4F21935}" type="datetimeFigureOut">
               <a:rPr lang="en-US" dirty="0"/>
-              <a:t>7/9/2018</a:t>
+              <a:t>7/10/2018</a:t>
             </a:fld>
             <a:endParaRPr lang="en-US" dirty="0"/>
           </a:p>
@@ -4377,7 +4377,7 @@
           <a:p>
             <a:fld id="{4509A250-FF31-4206-8172-F9D3106AACB1}" type="datetimeFigureOut">
               <a:rPr lang="en-US" dirty="0"/>
-              <a:t>7/9/2018</a:t>
+              <a:t>7/10/2018</a:t>
             </a:fld>
             <a:endParaRPr lang="en-US" dirty="0"/>
           </a:p>
@@ -4467,7 +4467,7 @@
           <a:p>
             <a:fld id="{4509A250-FF31-4206-8172-F9D3106AACB1}" type="datetimeFigureOut">
               <a:rPr lang="en-US" dirty="0"/>
-              <a:t>7/9/2018</a:t>
+              <a:t>7/10/2018</a:t>
             </a:fld>
             <a:endParaRPr lang="en-US" dirty="0"/>
           </a:p>
@@ -4741,7 +4741,7 @@
           <a:p>
             <a:fld id="{4509A250-FF31-4206-8172-F9D3106AACB1}" type="datetimeFigureOut">
               <a:rPr lang="en-US" dirty="0"/>
-              <a:t>7/9/2018</a:t>
+              <a:t>7/10/2018</a:t>
             </a:fld>
             <a:endParaRPr lang="en-US" dirty="0"/>
           </a:p>
@@ -5011,7 +5011,7 @@
           <a:p>
             <a:fld id="{4509A250-FF31-4206-8172-F9D3106AACB1}" type="datetimeFigureOut">
               <a:rPr lang="en-US" dirty="0"/>
-              <a:t>7/9/2018</a:t>
+              <a:t>7/10/2018</a:t>
             </a:fld>
             <a:endParaRPr lang="en-US" dirty="0"/>
           </a:p>
@@ -5435,7 +5435,7 @@
           <a:p>
             <a:fld id="{4AAD347D-5ACD-4C99-B74B-A9C85AD731AF}" type="datetimeFigureOut">
               <a:rPr lang="en-US" dirty="0"/>
-              <a:t>7/9/2018</a:t>
+              <a:t>7/10/2018</a:t>
             </a:fld>
             <a:endParaRPr lang="en-US" dirty="0"/>
           </a:p>
@@ -9060,7 +9060,15 @@
           <a:p>
             <a:r>
               <a:rPr lang="en-US" dirty="0"/>
-              <a:t>Create a sample HTML file to the output as below:</a:t>
+              <a:t>Create a sample HTML file </a:t>
+            </a:r>
+            <a:r>
+              <a:rPr lang="en-US"/>
+              <a:t>to get the </a:t>
+            </a:r>
+            <a:r>
+              <a:rPr lang="en-US" dirty="0"/>
+              <a:t>output as below:</a:t>
             </a:r>
           </a:p>
           <a:p>
